--- a/אפליקציה וויז בקניון/צד לקוח/וייז בקניון.pptx
+++ b/אפליקציה וויז בקניון/צד לקוח/וייז בקניון.pptx
@@ -270,7 +270,7 @@
           <a:p>
             <a:fld id="{BE08200E-A348-43F5-A1A0-829C29C37303}" type="datetimeFigureOut">
               <a:rPr lang="he-IL" smtClean="0"/>
-              <a:t>י"א/אייר/תשפ"ב</a:t>
+              <a:t>כ"ח/אייר/תשפ"ב</a:t>
             </a:fld>
             <a:endParaRPr lang="he-IL"/>
           </a:p>
@@ -468,7 +468,7 @@
           <a:p>
             <a:fld id="{BE08200E-A348-43F5-A1A0-829C29C37303}" type="datetimeFigureOut">
               <a:rPr lang="he-IL" smtClean="0"/>
-              <a:t>י"א/אייר/תשפ"ב</a:t>
+              <a:t>כ"ח/אייר/תשפ"ב</a:t>
             </a:fld>
             <a:endParaRPr lang="he-IL"/>
           </a:p>
@@ -676,7 +676,7 @@
           <a:p>
             <a:fld id="{BE08200E-A348-43F5-A1A0-829C29C37303}" type="datetimeFigureOut">
               <a:rPr lang="he-IL" smtClean="0"/>
-              <a:t>י"א/אייר/תשפ"ב</a:t>
+              <a:t>כ"ח/אייר/תשפ"ב</a:t>
             </a:fld>
             <a:endParaRPr lang="he-IL"/>
           </a:p>
@@ -874,7 +874,7 @@
           <a:p>
             <a:fld id="{BE08200E-A348-43F5-A1A0-829C29C37303}" type="datetimeFigureOut">
               <a:rPr lang="he-IL" smtClean="0"/>
-              <a:t>י"א/אייר/תשפ"ב</a:t>
+              <a:t>כ"ח/אייר/תשפ"ב</a:t>
             </a:fld>
             <a:endParaRPr lang="he-IL"/>
           </a:p>
@@ -1149,7 +1149,7 @@
           <a:p>
             <a:fld id="{BE08200E-A348-43F5-A1A0-829C29C37303}" type="datetimeFigureOut">
               <a:rPr lang="he-IL" smtClean="0"/>
-              <a:t>י"א/אייר/תשפ"ב</a:t>
+              <a:t>כ"ח/אייר/תשפ"ב</a:t>
             </a:fld>
             <a:endParaRPr lang="he-IL"/>
           </a:p>
@@ -1414,7 +1414,7 @@
           <a:p>
             <a:fld id="{BE08200E-A348-43F5-A1A0-829C29C37303}" type="datetimeFigureOut">
               <a:rPr lang="he-IL" smtClean="0"/>
-              <a:t>י"א/אייר/תשפ"ב</a:t>
+              <a:t>כ"ח/אייר/תשפ"ב</a:t>
             </a:fld>
             <a:endParaRPr lang="he-IL"/>
           </a:p>
@@ -1826,7 +1826,7 @@
           <a:p>
             <a:fld id="{BE08200E-A348-43F5-A1A0-829C29C37303}" type="datetimeFigureOut">
               <a:rPr lang="he-IL" smtClean="0"/>
-              <a:t>י"א/אייר/תשפ"ב</a:t>
+              <a:t>כ"ח/אייר/תשפ"ב</a:t>
             </a:fld>
             <a:endParaRPr lang="he-IL"/>
           </a:p>
@@ -1967,7 +1967,7 @@
           <a:p>
             <a:fld id="{BE08200E-A348-43F5-A1A0-829C29C37303}" type="datetimeFigureOut">
               <a:rPr lang="he-IL" smtClean="0"/>
-              <a:t>י"א/אייר/תשפ"ב</a:t>
+              <a:t>כ"ח/אייר/תשפ"ב</a:t>
             </a:fld>
             <a:endParaRPr lang="he-IL"/>
           </a:p>
@@ -2080,7 +2080,7 @@
           <a:p>
             <a:fld id="{BE08200E-A348-43F5-A1A0-829C29C37303}" type="datetimeFigureOut">
               <a:rPr lang="he-IL" smtClean="0"/>
-              <a:t>י"א/אייר/תשפ"ב</a:t>
+              <a:t>כ"ח/אייר/תשפ"ב</a:t>
             </a:fld>
             <a:endParaRPr lang="he-IL"/>
           </a:p>
@@ -2391,7 +2391,7 @@
           <a:p>
             <a:fld id="{BE08200E-A348-43F5-A1A0-829C29C37303}" type="datetimeFigureOut">
               <a:rPr lang="he-IL" smtClean="0"/>
-              <a:t>י"א/אייר/תשפ"ב</a:t>
+              <a:t>כ"ח/אייר/תשפ"ב</a:t>
             </a:fld>
             <a:endParaRPr lang="he-IL"/>
           </a:p>
@@ -2679,7 +2679,7 @@
           <a:p>
             <a:fld id="{BE08200E-A348-43F5-A1A0-829C29C37303}" type="datetimeFigureOut">
               <a:rPr lang="he-IL" smtClean="0"/>
-              <a:t>י"א/אייר/תשפ"ב</a:t>
+              <a:t>כ"ח/אייר/תשפ"ב</a:t>
             </a:fld>
             <a:endParaRPr lang="he-IL"/>
           </a:p>
@@ -2920,7 +2920,7 @@
           <a:p>
             <a:fld id="{BE08200E-A348-43F5-A1A0-829C29C37303}" type="datetimeFigureOut">
               <a:rPr lang="he-IL" smtClean="0"/>
-              <a:t>י"א/אייר/תשפ"ב</a:t>
+              <a:t>כ"ח/אייר/תשפ"ב</a:t>
             </a:fld>
             <a:endParaRPr lang="he-IL"/>
           </a:p>
@@ -4639,7 +4639,7 @@
         </p:nvCxnSpPr>
         <p:spPr>
           <a:xfrm>
-            <a:off x="9484322" y="1830252"/>
+            <a:off x="9464325" y="1911414"/>
             <a:ext cx="613003" cy="333079"/>
           </a:xfrm>
           <a:prstGeom prst="straightConnector1">
@@ -4683,7 +4683,7 @@
         </p:nvSpPr>
         <p:spPr>
           <a:xfrm>
-            <a:off x="10097325" y="1583462"/>
+            <a:off x="10077328" y="1664624"/>
             <a:ext cx="951673" cy="1159738"/>
           </a:xfrm>
           <a:prstGeom prst="roundRect">
